--- a/0_presentaciones/24-25_TAPI_P2-3.pptx
+++ b/0_presentaciones/24-25_TAPI_P2-3.pptx
@@ -169,6 +169,11 @@
       </a:defRPr>
     </a:lvl9pPr>
   </p:defaultTextStyle>
+  <p:extLst>
+    <p:ext uri="{EFAFB233-063F-42B5-8137-9DF3F51BA10A}">
+      <p15:sldGuideLst xmlns:p15="http://schemas.microsoft.com/office/powerpoint/2012/main"/>
+    </p:ext>
+  </p:extLst>
 </p:presentation>
 </file>
 
@@ -18385,7 +18390,7 @@
               <a:buChar char="•"/>
             </a:pPr>
             <a:r>
-              <a:rPr lang="es-ES" sz="2400" b="0" strike="noStrike" spc="-1">
+              <a:rPr lang="es-ES" sz="2400" b="0" strike="noStrike" spc="-1" dirty="0">
                 <a:solidFill>
                   <a:schemeClr val="dk1"/>
                 </a:solidFill>
@@ -18393,7 +18398,7 @@
               </a:rPr>
               <a:t>Dividir texto</a:t>
             </a:r>
-            <a:endParaRPr lang="en-US" sz="2400" b="0" strike="noStrike" spc="-1">
+            <a:endParaRPr lang="en-US" sz="2400" b="0" strike="noStrike" spc="-1" dirty="0">
               <a:solidFill>
                 <a:schemeClr val="dk1"/>
               </a:solidFill>
@@ -18415,15 +18420,137 @@
               <a:buChar char="•"/>
             </a:pPr>
             <a:r>
-              <a:rPr lang="es-ES" sz="2000" b="0" strike="noStrike" spc="-1">
-                <a:solidFill>
-                  <a:schemeClr val="dk1"/>
-                </a:solidFill>
-                <a:latin typeface="Calibri"/>
-              </a:rPr>
-              <a:t>str_split(x, ",")</a:t>
-            </a:r>
-            <a:endParaRPr lang="en-US" sz="2000" b="0" strike="noStrike" spc="-1">
+              <a:rPr lang="es-ES" sz="2000" b="0" strike="noStrike" spc="-1" dirty="0" err="1">
+                <a:solidFill>
+                  <a:schemeClr val="dk1"/>
+                </a:solidFill>
+                <a:latin typeface="Calibri"/>
+              </a:rPr>
+              <a:t>str_split</a:t>
+            </a:r>
+            <a:r>
+              <a:rPr lang="es-ES" sz="2000" b="0" strike="noStrike" spc="-1" dirty="0">
+                <a:solidFill>
+                  <a:schemeClr val="dk1"/>
+                </a:solidFill>
+                <a:latin typeface="Calibri"/>
+              </a:rPr>
+              <a:t>(x, ",")</a:t>
+            </a:r>
+          </a:p>
+          <a:p>
+            <a:pPr marL="914400" lvl="2" defTabSz="914400">
+              <a:lnSpc>
+                <a:spcPct val="90000"/>
+              </a:lnSpc>
+              <a:spcBef>
+                <a:spcPts val="499"/>
+              </a:spcBef>
+              <a:buClr>
+                <a:srgbClr val="001489"/>
+              </a:buClr>
+            </a:pPr>
+            <a:r>
+              <a:rPr lang="es-ES" sz="2000" spc="-1" dirty="0">
+                <a:solidFill>
+                  <a:schemeClr val="dk1"/>
+                </a:solidFill>
+                <a:latin typeface="Calibri"/>
+              </a:rPr>
+              <a:t>Aunque es mejor usar </a:t>
+            </a:r>
+            <a:r>
+              <a:rPr lang="es-ES" sz="2000" spc="-1" dirty="0" err="1">
+                <a:solidFill>
+                  <a:schemeClr val="dk1"/>
+                </a:solidFill>
+                <a:latin typeface="Calibri"/>
+              </a:rPr>
+              <a:t>separate</a:t>
+            </a:r>
+            <a:r>
+              <a:rPr lang="es-ES" sz="2000" spc="-1" dirty="0">
+                <a:solidFill>
+                  <a:schemeClr val="dk1"/>
+                </a:solidFill>
+                <a:latin typeface="Calibri"/>
+              </a:rPr>
+              <a:t>() de </a:t>
+            </a:r>
+            <a:r>
+              <a:rPr lang="es-ES" sz="2000" spc="-1" dirty="0" err="1">
+                <a:solidFill>
+                  <a:schemeClr val="dk1"/>
+                </a:solidFill>
+                <a:latin typeface="Calibri"/>
+              </a:rPr>
+              <a:t>dplyr</a:t>
+            </a:r>
+            <a:endParaRPr lang="es-ES" sz="2000" spc="-1" dirty="0">
+              <a:solidFill>
+                <a:schemeClr val="dk1"/>
+              </a:solidFill>
+              <a:latin typeface="Calibri"/>
+            </a:endParaRPr>
+          </a:p>
+          <a:p>
+            <a:pPr marL="914400" lvl="2" defTabSz="914400">
+              <a:lnSpc>
+                <a:spcPct val="90000"/>
+              </a:lnSpc>
+              <a:spcBef>
+                <a:spcPts val="499"/>
+              </a:spcBef>
+              <a:buClr>
+                <a:srgbClr val="001489"/>
+              </a:buClr>
+            </a:pPr>
+            <a:r>
+              <a:rPr lang="es-ES" sz="2000" spc="-1" dirty="0" err="1">
+                <a:solidFill>
+                  <a:schemeClr val="dk1"/>
+                </a:solidFill>
+                <a:latin typeface="Calibri"/>
+              </a:rPr>
+              <a:t>separate</a:t>
+            </a:r>
+            <a:r>
+              <a:rPr lang="es-ES" sz="2000" spc="-1" dirty="0">
+                <a:solidFill>
+                  <a:schemeClr val="dk1"/>
+                </a:solidFill>
+                <a:latin typeface="Calibri"/>
+              </a:rPr>
+              <a:t>(</a:t>
+            </a:r>
+            <a:r>
+              <a:rPr lang="es-ES" sz="2000" spc="-1" dirty="0" err="1">
+                <a:solidFill>
+                  <a:schemeClr val="dk1"/>
+                </a:solidFill>
+                <a:latin typeface="Calibri"/>
+              </a:rPr>
+              <a:t>x,”,”,c</a:t>
+            </a:r>
+            <a:r>
+              <a:rPr lang="es-ES" sz="2000" spc="-1" dirty="0">
+                <a:solidFill>
+                  <a:schemeClr val="dk1"/>
+                </a:solidFill>
+                <a:latin typeface="Calibri"/>
+              </a:rPr>
+              <a:t>(“var1”, </a:t>
+            </a:r>
+            <a:r>
+              <a:rPr lang="es-ES" sz="2000" spc="-1">
+                <a:solidFill>
+                  <a:schemeClr val="dk1"/>
+                </a:solidFill>
+                <a:latin typeface="Calibri"/>
+              </a:rPr>
+              <a:t>“var2”))</a:t>
+            </a:r>
+            <a:endParaRPr lang="en-US" sz="2000" b="0" strike="noStrike" spc="-1" dirty="0">
               <a:solidFill>
                 <a:schemeClr val="dk1"/>
               </a:solidFill>
@@ -18445,7 +18572,7 @@
               <a:buChar char="•"/>
             </a:pPr>
             <a:r>
-              <a:rPr lang="es-ES" sz="2400" b="0" strike="noStrike" spc="-1">
+              <a:rPr lang="es-ES" sz="2400" b="0" strike="noStrike" spc="-1" dirty="0">
                 <a:solidFill>
                   <a:schemeClr val="dk1"/>
                 </a:solidFill>
@@ -18453,7 +18580,7 @@
               </a:rPr>
               <a:t>Cambiar el formato del texto</a:t>
             </a:r>
-            <a:endParaRPr lang="en-US" sz="2400" b="0" strike="noStrike" spc="-1">
+            <a:endParaRPr lang="en-US" sz="2400" b="0" strike="noStrike" spc="-1" dirty="0">
               <a:solidFill>
                 <a:schemeClr val="dk1"/>
               </a:solidFill>
@@ -18475,15 +18602,24 @@
               <a:buChar char="•"/>
             </a:pPr>
             <a:r>
-              <a:rPr lang="es-ES" sz="2000" b="0" strike="noStrike" spc="-1">
-                <a:solidFill>
-                  <a:schemeClr val="dk1"/>
-                </a:solidFill>
-                <a:latin typeface="Calibri"/>
-              </a:rPr>
-              <a:t>str_to_upper(x)</a:t>
-            </a:r>
-            <a:endParaRPr lang="en-US" sz="2000" b="0" strike="noStrike" spc="-1">
+              <a:rPr lang="es-ES" sz="2000" b="0" strike="noStrike" spc="-1" dirty="0" err="1">
+                <a:solidFill>
+                  <a:schemeClr val="dk1"/>
+                </a:solidFill>
+                <a:latin typeface="Calibri"/>
+              </a:rPr>
+              <a:t>str_to_upper</a:t>
+            </a:r>
+            <a:r>
+              <a:rPr lang="es-ES" sz="2000" b="0" strike="noStrike" spc="-1" dirty="0">
+                <a:solidFill>
+                  <a:schemeClr val="dk1"/>
+                </a:solidFill>
+                <a:latin typeface="Calibri"/>
+              </a:rPr>
+              <a:t>(x)</a:t>
+            </a:r>
+            <a:endParaRPr lang="en-US" sz="2000" b="0" strike="noStrike" spc="-1" dirty="0">
               <a:solidFill>
                 <a:schemeClr val="dk1"/>
               </a:solidFill>
@@ -18505,15 +18641,24 @@
               <a:buChar char="•"/>
             </a:pPr>
             <a:r>
-              <a:rPr lang="es-ES" sz="2000" b="0" strike="noStrike" spc="-1">
-                <a:solidFill>
-                  <a:schemeClr val="dk1"/>
-                </a:solidFill>
-                <a:latin typeface="Calibri"/>
-              </a:rPr>
-              <a:t>str_to_lower(x)</a:t>
-            </a:r>
-            <a:endParaRPr lang="en-US" sz="2000" b="0" strike="noStrike" spc="-1">
+              <a:rPr lang="es-ES" sz="2000" b="0" strike="noStrike" spc="-1" dirty="0" err="1">
+                <a:solidFill>
+                  <a:schemeClr val="dk1"/>
+                </a:solidFill>
+                <a:latin typeface="Calibri"/>
+              </a:rPr>
+              <a:t>str_to_lower</a:t>
+            </a:r>
+            <a:r>
+              <a:rPr lang="es-ES" sz="2000" b="0" strike="noStrike" spc="-1" dirty="0">
+                <a:solidFill>
+                  <a:schemeClr val="dk1"/>
+                </a:solidFill>
+                <a:latin typeface="Calibri"/>
+              </a:rPr>
+              <a:t>(x)</a:t>
+            </a:r>
+            <a:endParaRPr lang="en-US" sz="2000" b="0" strike="noStrike" spc="-1" dirty="0">
               <a:solidFill>
                 <a:schemeClr val="dk1"/>
               </a:solidFill>
@@ -18535,15 +18680,24 @@
               <a:buChar char="•"/>
             </a:pPr>
             <a:r>
-              <a:rPr lang="es-ES" sz="2000" b="0" strike="noStrike" spc="-1">
-                <a:solidFill>
-                  <a:schemeClr val="dk1"/>
-                </a:solidFill>
-                <a:latin typeface="Calibri"/>
-              </a:rPr>
-              <a:t>str_to_title(x)</a:t>
-            </a:r>
-            <a:endParaRPr lang="en-US" sz="2000" b="0" strike="noStrike" spc="-1">
+              <a:rPr lang="es-ES" sz="2000" b="0" strike="noStrike" spc="-1" dirty="0" err="1">
+                <a:solidFill>
+                  <a:schemeClr val="dk1"/>
+                </a:solidFill>
+                <a:latin typeface="Calibri"/>
+              </a:rPr>
+              <a:t>str_to_title</a:t>
+            </a:r>
+            <a:r>
+              <a:rPr lang="es-ES" sz="2000" b="0" strike="noStrike" spc="-1" dirty="0">
+                <a:solidFill>
+                  <a:schemeClr val="dk1"/>
+                </a:solidFill>
+                <a:latin typeface="Calibri"/>
+              </a:rPr>
+              <a:t>(x)</a:t>
+            </a:r>
+            <a:endParaRPr lang="en-US" sz="2000" b="0" strike="noStrike" spc="-1" dirty="0">
               <a:solidFill>
                 <a:schemeClr val="dk1"/>
               </a:solidFill>
@@ -18565,15 +18719,24 @@
               <a:buChar char="•"/>
             </a:pPr>
             <a:r>
-              <a:rPr lang="es-ES" sz="2000" b="0" strike="noStrike" spc="-1">
-                <a:solidFill>
-                  <a:schemeClr val="dk1"/>
-                </a:solidFill>
-                <a:latin typeface="Calibri"/>
-              </a:rPr>
-              <a:t>str_to_sentence(x)</a:t>
-            </a:r>
-            <a:endParaRPr lang="en-US" sz="2000" b="0" strike="noStrike" spc="-1">
+              <a:rPr lang="es-ES" sz="2000" b="0" strike="noStrike" spc="-1" dirty="0" err="1">
+                <a:solidFill>
+                  <a:schemeClr val="dk1"/>
+                </a:solidFill>
+                <a:latin typeface="Calibri"/>
+              </a:rPr>
+              <a:t>str_to_sentence</a:t>
+            </a:r>
+            <a:r>
+              <a:rPr lang="es-ES" sz="2000" b="0" strike="noStrike" spc="-1" dirty="0">
+                <a:solidFill>
+                  <a:schemeClr val="dk1"/>
+                </a:solidFill>
+                <a:latin typeface="Calibri"/>
+              </a:rPr>
+              <a:t>(x)</a:t>
+            </a:r>
+            <a:endParaRPr lang="en-US" sz="2000" b="0" strike="noStrike" spc="-1" dirty="0">
               <a:solidFill>
                 <a:schemeClr val="dk1"/>
               </a:solidFill>
@@ -18595,7 +18758,7 @@
               <a:buChar char="•"/>
             </a:pPr>
             <a:r>
-              <a:rPr lang="es-ES" sz="2400" b="0" strike="noStrike" spc="-1">
+              <a:rPr lang="es-ES" sz="2400" b="0" strike="noStrike" spc="-1" dirty="0">
                 <a:solidFill>
                   <a:schemeClr val="dk1"/>
                 </a:solidFill>
@@ -18603,7 +18766,7 @@
               </a:rPr>
               <a:t>Eliminar espacios blancos de más</a:t>
             </a:r>
-            <a:endParaRPr lang="en-US" sz="2400" b="0" strike="noStrike" spc="-1">
+            <a:endParaRPr lang="en-US" sz="2400" b="0" strike="noStrike" spc="-1" dirty="0">
               <a:solidFill>
                 <a:schemeClr val="dk1"/>
               </a:solidFill>
@@ -18625,15 +18788,24 @@
               <a:buChar char="•"/>
             </a:pPr>
             <a:r>
-              <a:rPr lang="es-ES" sz="2000" b="0" strike="noStrike" spc="-1">
-                <a:solidFill>
-                  <a:schemeClr val="dk1"/>
-                </a:solidFill>
-                <a:latin typeface="Calibri"/>
-              </a:rPr>
-              <a:t>str_trim(x)</a:t>
-            </a:r>
-            <a:endParaRPr lang="en-US" sz="2000" b="0" strike="noStrike" spc="-1">
+              <a:rPr lang="es-ES" sz="2000" b="0" strike="noStrike" spc="-1" dirty="0" err="1">
+                <a:solidFill>
+                  <a:schemeClr val="dk1"/>
+                </a:solidFill>
+                <a:latin typeface="Calibri"/>
+              </a:rPr>
+              <a:t>str_trim</a:t>
+            </a:r>
+            <a:r>
+              <a:rPr lang="es-ES" sz="2000" b="0" strike="noStrike" spc="-1" dirty="0">
+                <a:solidFill>
+                  <a:schemeClr val="dk1"/>
+                </a:solidFill>
+                <a:latin typeface="Calibri"/>
+              </a:rPr>
+              <a:t>(x)</a:t>
+            </a:r>
+            <a:endParaRPr lang="en-US" sz="2000" b="0" strike="noStrike" spc="-1" dirty="0">
               <a:solidFill>
                 <a:schemeClr val="dk1"/>
               </a:solidFill>
@@ -18655,7 +18827,7 @@
               <a:buChar char="•"/>
             </a:pPr>
             <a:r>
-              <a:rPr lang="es-ES" sz="2400" b="0" strike="noStrike" spc="-1">
+              <a:rPr lang="es-ES" sz="2400" b="0" strike="noStrike" spc="-1" dirty="0">
                 <a:solidFill>
                   <a:schemeClr val="dk1"/>
                 </a:solidFill>
@@ -18663,7 +18835,7 @@
               </a:rPr>
               <a:t>Asegurar la misma longitud de todos los textos</a:t>
             </a:r>
-            <a:endParaRPr lang="en-US" sz="2400" b="0" strike="noStrike" spc="-1">
+            <a:endParaRPr lang="en-US" sz="2400" b="0" strike="noStrike" spc="-1" dirty="0">
               <a:solidFill>
                 <a:schemeClr val="dk1"/>
               </a:solidFill>
@@ -18685,15 +18857,24 @@
               <a:buChar char="•"/>
             </a:pPr>
             <a:r>
-              <a:rPr lang="es-ES" sz="2000" b="0" strike="noStrike" spc="-1">
-                <a:solidFill>
-                  <a:schemeClr val="dk1"/>
-                </a:solidFill>
-                <a:latin typeface="Calibri"/>
-              </a:rPr>
-              <a:t>str_pad(x, 3)</a:t>
-            </a:r>
-            <a:endParaRPr lang="en-US" sz="2000" b="0" strike="noStrike" spc="-1">
+              <a:rPr lang="es-ES" sz="2000" b="0" strike="noStrike" spc="-1" dirty="0" err="1">
+                <a:solidFill>
+                  <a:schemeClr val="dk1"/>
+                </a:solidFill>
+                <a:latin typeface="Calibri"/>
+              </a:rPr>
+              <a:t>str_pad</a:t>
+            </a:r>
+            <a:r>
+              <a:rPr lang="es-ES" sz="2000" b="0" strike="noStrike" spc="-1" dirty="0">
+                <a:solidFill>
+                  <a:schemeClr val="dk1"/>
+                </a:solidFill>
+                <a:latin typeface="Calibri"/>
+              </a:rPr>
+              <a:t>(x, 3)</a:t>
+            </a:r>
+            <a:endParaRPr lang="en-US" sz="2000" b="0" strike="noStrike" spc="-1" dirty="0">
               <a:solidFill>
                 <a:schemeClr val="dk1"/>
               </a:solidFill>
